--- a/Data Analyst.pptx
+++ b/Data Analyst.pptx
@@ -111,6 +111,11 @@
       </a:defRPr>
     </a:lvl9pPr>
   </p:defaultTextStyle>
+  <p:extLst>
+    <p:ext uri="{EFAFB233-063F-42B5-8137-9DF3F51BA10A}">
+      <p15:sldGuideLst xmlns:p15="http://schemas.microsoft.com/office/powerpoint/2012/main"/>
+    </p:ext>
+  </p:extLst>
 </p:presentation>
 </file>
 
@@ -12318,7 +12323,7 @@
           <a:p>
             <a:fld id="{D1D1EADE-8E88-4C7C-8AC5-FB148DE4940E}" type="datetime1">
               <a:rPr lang="en-US" smtClean="0"/>
-              <a:t>3/19/2025</a:t>
+              <a:t>3/30/2025</a:t>
             </a:fld>
             <a:endParaRPr lang="en-US"/>
           </a:p>
@@ -12518,7 +12523,7 @@
           <a:p>
             <a:fld id="{EC3C8B9C-477D-492A-96AD-1FC2CC997A73}" type="datetime1">
               <a:rPr lang="en-US" smtClean="0"/>
-              <a:t>3/19/2025</a:t>
+              <a:t>3/30/2025</a:t>
             </a:fld>
             <a:endParaRPr lang="en-US"/>
           </a:p>
@@ -12728,7 +12733,7 @@
           <a:p>
             <a:fld id="{42D3AED5-E26D-4E29-B1B3-7847B6779594}" type="datetime1">
               <a:rPr lang="en-US" smtClean="0"/>
-              <a:t>3/19/2025</a:t>
+              <a:t>3/30/2025</a:t>
             </a:fld>
             <a:endParaRPr lang="en-US"/>
           </a:p>
@@ -12928,7 +12933,7 @@
           <a:p>
             <a:fld id="{157B6794-849E-4626-908B-D15793550EFB}" type="datetime1">
               <a:rPr lang="en-US" smtClean="0"/>
-              <a:t>3/19/2025</a:t>
+              <a:t>3/30/2025</a:t>
             </a:fld>
             <a:endParaRPr lang="en-US"/>
           </a:p>
@@ -13204,7 +13209,7 @@
           <a:p>
             <a:fld id="{63DB64E7-5594-42A3-ADBF-E95A7ACEAD64}" type="datetime1">
               <a:rPr lang="en-US" smtClean="0"/>
-              <a:t>3/19/2025</a:t>
+              <a:t>3/30/2025</a:t>
             </a:fld>
             <a:endParaRPr lang="en-US"/>
           </a:p>
@@ -13477,7 +13482,7 @@
           <a:p>
             <a:fld id="{18462B0B-D248-4FFB-8695-AD7FA4B1284A}" type="datetime1">
               <a:rPr lang="en-US" smtClean="0"/>
-              <a:t>3/19/2025</a:t>
+              <a:t>3/30/2025</a:t>
             </a:fld>
             <a:endParaRPr lang="en-US"/>
           </a:p>
@@ -13900,7 +13905,7 @@
           <a:p>
             <a:fld id="{D0378EFB-9159-4510-B73F-4F0409ADE937}" type="datetime1">
               <a:rPr lang="en-US" smtClean="0"/>
-              <a:t>3/19/2025</a:t>
+              <a:t>3/30/2025</a:t>
             </a:fld>
             <a:endParaRPr lang="en-US"/>
           </a:p>
@@ -14042,7 +14047,7 @@
           <a:p>
             <a:fld id="{89BC9412-2452-4BED-A324-9D8C115361AD}" type="datetime1">
               <a:rPr lang="en-US" smtClean="0"/>
-              <a:t>3/19/2025</a:t>
+              <a:t>3/30/2025</a:t>
             </a:fld>
             <a:endParaRPr lang="en-US"/>
           </a:p>
@@ -14155,7 +14160,7 @@
           <a:p>
             <a:fld id="{F5318F62-D251-40E8-A23C-F4CFE9FEAB41}" type="datetime1">
               <a:rPr lang="en-US" smtClean="0"/>
-              <a:t>3/19/2025</a:t>
+              <a:t>3/30/2025</a:t>
             </a:fld>
             <a:endParaRPr lang="en-US"/>
           </a:p>
@@ -14468,7 +14473,7 @@
           <a:p>
             <a:fld id="{44F76144-149E-4874-93A5-554A0357CF82}" type="datetime1">
               <a:rPr lang="en-US" smtClean="0"/>
-              <a:t>3/19/2025</a:t>
+              <a:t>3/30/2025</a:t>
             </a:fld>
             <a:endParaRPr lang="en-US"/>
           </a:p>
@@ -14761,7 +14766,7 @@
           <a:p>
             <a:fld id="{50BA65D8-0540-4835-AE5C-25D29DBA01BE}" type="datetime1">
               <a:rPr lang="en-US" smtClean="0"/>
-              <a:t>3/19/2025</a:t>
+              <a:t>3/30/2025</a:t>
             </a:fld>
             <a:endParaRPr lang="en-US"/>
           </a:p>
@@ -15003,7 +15008,7 @@
           <a:p>
             <a:fld id="{E31BA835-12AC-4E8F-955A-EA3F4DE2791F}" type="datetime1">
               <a:rPr lang="en-US" smtClean="0"/>
-              <a:t>3/19/2025</a:t>
+              <a:t>3/30/2025</a:t>
             </a:fld>
             <a:endParaRPr lang="en-US"/>
           </a:p>
@@ -17176,7 +17181,31 @@
             </a:r>
             <a:r>
               <a:rPr lang="en-US" sz="1900" dirty="0"/>
-              <a:t>of Members on Tuesday while Casuals on Sunday</a:t>
+              <a:t>of </a:t>
+            </a:r>
+            <a:r>
+              <a:rPr lang="en-US" sz="1900" dirty="0">
+                <a:solidFill>
+                  <a:srgbClr val="0070C0"/>
+                </a:solidFill>
+              </a:rPr>
+              <a:t>Members</a:t>
+            </a:r>
+            <a:r>
+              <a:rPr lang="en-US" sz="1900" dirty="0"/>
+              <a:t> on Tuesday while </a:t>
+            </a:r>
+            <a:r>
+              <a:rPr lang="en-US" sz="1900" dirty="0">
+                <a:solidFill>
+                  <a:srgbClr val="0070C0"/>
+                </a:solidFill>
+              </a:rPr>
+              <a:t>Casuals</a:t>
+            </a:r>
+            <a:r>
+              <a:rPr lang="en-US" sz="1900" dirty="0"/>
+              <a:t> on Sunday</a:t>
             </a:r>
           </a:p>
           <a:p>
@@ -17193,11 +17222,27 @@
             </a:r>
             <a:r>
               <a:rPr lang="en-US" sz="1900" dirty="0"/>
-              <a:t>of Members on Saturday while </a:t>
+              <a:t>of </a:t>
             </a:r>
             <a:r>
-              <a:rPr lang="en-US" sz="1900" dirty="0" err="1"/>
-              <a:t>Casulas</a:t>
+              <a:rPr lang="en-US" sz="1900" dirty="0">
+                <a:solidFill>
+                  <a:srgbClr val="0070C0"/>
+                </a:solidFill>
+              </a:rPr>
+              <a:t>Members</a:t>
+            </a:r>
+            <a:r>
+              <a:rPr lang="en-US" sz="1900" dirty="0"/>
+              <a:t> on Saturday while </a:t>
+            </a:r>
+            <a:r>
+              <a:rPr lang="en-US" sz="1900" dirty="0">
+                <a:solidFill>
+                  <a:srgbClr val="0070C0"/>
+                </a:solidFill>
+              </a:rPr>
+              <a:t>Casuals</a:t>
             </a:r>
             <a:r>
               <a:rPr lang="en-US" sz="1900" dirty="0"/>
@@ -17261,42 +17306,6 @@
           </a:fontRef>
         </p:style>
       </p:cxnSp>
-      <p:pic>
-        <p:nvPicPr>
-          <p:cNvPr id="7" name="Picture 6" descr="A graph with blue and red bars&#10;&#10;AI-generated content may be incorrect.">
-            <a:extLst>
-              <a:ext uri="{FF2B5EF4-FFF2-40B4-BE49-F238E27FC236}">
-                <a16:creationId xmlns:a16="http://schemas.microsoft.com/office/drawing/2014/main" id="{0E8F74A0-7301-7F4D-8C95-91C3035AADA9}"/>
-              </a:ext>
-            </a:extLst>
-          </p:cNvPr>
-          <p:cNvPicPr>
-            <a:picLocks noChangeAspect="1"/>
-          </p:cNvPicPr>
-          <p:nvPr/>
-        </p:nvPicPr>
-        <p:blipFill>
-          <a:blip r:embed="rId2">
-            <a:extLst>
-              <a:ext uri="{28A0092B-C50C-407E-A947-70E740481C1C}">
-                <a14:useLocalDpi xmlns:a14="http://schemas.microsoft.com/office/drawing/2010/main" val="0"/>
-              </a:ext>
-            </a:extLst>
-          </a:blip>
-          <a:stretch>
-            <a:fillRect/>
-          </a:stretch>
-        </p:blipFill>
-        <p:spPr>
-          <a:xfrm>
-            <a:off x="809065" y="2175368"/>
-            <a:ext cx="6072188" cy="2884288"/>
-          </a:xfrm>
-          <a:prstGeom prst="rect">
-            <a:avLst/>
-          </a:prstGeom>
-        </p:spPr>
-      </p:pic>
       <p:cxnSp>
         <p:nvCxnSpPr>
           <p:cNvPr id="16" name="Straight Connector 15">
@@ -17349,6 +17358,42 @@
           </a:fontRef>
         </p:style>
       </p:cxnSp>
+      <p:pic>
+        <p:nvPicPr>
+          <p:cNvPr id="5" name="Picture 4" descr="A graph with blue and red bars">
+            <a:extLst>
+              <a:ext uri="{FF2B5EF4-FFF2-40B4-BE49-F238E27FC236}">
+                <a16:creationId xmlns:a16="http://schemas.microsoft.com/office/drawing/2014/main" id="{7CD1AF28-410B-911B-E67E-A729A0F765B0}"/>
+              </a:ext>
+            </a:extLst>
+          </p:cNvPr>
+          <p:cNvPicPr>
+            <a:picLocks noChangeAspect="1"/>
+          </p:cNvPicPr>
+          <p:nvPr/>
+        </p:nvPicPr>
+        <p:blipFill>
+          <a:blip r:embed="rId2">
+            <a:extLst>
+              <a:ext uri="{28A0092B-C50C-407E-A947-70E740481C1C}">
+                <a14:useLocalDpi xmlns:a14="http://schemas.microsoft.com/office/drawing/2010/main" val="0"/>
+              </a:ext>
+            </a:extLst>
+          </a:blip>
+          <a:stretch>
+            <a:fillRect/>
+          </a:stretch>
+        </p:blipFill>
+        <p:spPr>
+          <a:xfrm>
+            <a:off x="809065" y="2135162"/>
+            <a:ext cx="6496303" cy="3082717"/>
+          </a:xfrm>
+          <a:prstGeom prst="rect">
+            <a:avLst/>
+          </a:prstGeom>
+        </p:spPr>
+      </p:pic>
     </p:spTree>
     <p:extLst>
       <p:ext uri="{BB962C8B-B14F-4D97-AF65-F5344CB8AC3E}">
@@ -17697,8 +17742,8 @@
         </p:blipFill>
         <p:spPr>
           <a:xfrm>
-            <a:off x="804672" y="2690453"/>
-            <a:ext cx="5549902" cy="2636202"/>
+            <a:off x="804672" y="2346960"/>
+            <a:ext cx="5959922" cy="2830961"/>
           </a:xfrm>
           <a:prstGeom prst="rect">
             <a:avLst/>
